--- a/Antenna Design Deep Learning Model.pptx
+++ b/Antenna Design Deep Learning Model.pptx
@@ -4091,14 +4091,19 @@
             <p:ph type="ctrTitle"/>
           </p:nvPr>
         </p:nvSpPr>
-        <p:spPr/>
+        <p:spPr>
+          <a:xfrm>
+            <a:off x="3175199" y="1832524"/>
+            <a:ext cx="8500062" cy="2387600"/>
+          </a:xfrm>
+        </p:spPr>
         <p:txBody>
           <a:bodyPr/>
           <a:lstStyle/>
           <a:p>
             <a:r>
               <a:rPr lang="en-US" dirty="0"/>
-              <a:t>Antenna Design Deep Learning Model</a:t>
+              <a:t>Antenna Design Machine Learning Model</a:t>
             </a:r>
           </a:p>
         </p:txBody>
@@ -4646,14 +4651,17 @@
           </a:p>
           <a:p>
             <a:r>
-              <a:rPr lang="en-IN" sz="3200" b="1" u="sng" dirty="0"/>
+              <a:rPr lang="en-IN" sz="2800" b="1" u="sng" dirty="0"/>
               <a:t>Data Pre-processing</a:t>
             </a:r>
             <a:r>
               <a:rPr lang="en-IN" sz="3200" dirty="0"/>
-              <a:t>: All the parameter are scaled by the method of robust scaling , except the target variables.</a:t>
-            </a:r>
-            <a:endParaRPr lang="en-IN" sz="2900" dirty="0"/>
+              <a:t>: </a:t>
+            </a:r>
+            <a:r>
+              <a:rPr lang="en-IN" sz="2800" dirty="0"/>
+              <a:t>All the parameter are scaled by the method of robust scaling , except the target variables.</a:t>
+            </a:r>
           </a:p>
           <a:p>
             <a:r>
@@ -4803,8 +4811,8 @@
         </p:nvSpPr>
         <p:spPr>
           <a:xfrm>
-            <a:off x="1280160" y="2190749"/>
-            <a:ext cx="6965343" cy="3986213"/>
+            <a:off x="198783" y="2031723"/>
+            <a:ext cx="5208104" cy="4766642"/>
           </a:xfrm>
         </p:spPr>
         <p:txBody>
@@ -4822,7 +4830,7 @@
             <a:pPr lvl="2"/>
             <a:r>
               <a:rPr lang="en-IN" dirty="0"/>
-              <a:t>Dense -- (4) – Activation function = ReLU</a:t>
+              <a:t>Dense -- (5) – Activation function = ReLU</a:t>
             </a:r>
           </a:p>
           <a:p>
@@ -4881,17 +4889,17 @@
             <a:pPr lvl="3"/>
             <a:r>
               <a:rPr lang="en-IN" dirty="0"/>
-              <a:t>Adam (default)</a:t>
+              <a:t>Adam (with default values)</a:t>
             </a:r>
           </a:p>
         </p:txBody>
       </p:sp>
       <p:pic>
         <p:nvPicPr>
-          <p:cNvPr id="5" name="Picture 4">
+          <p:cNvPr id="6" name="Picture 5">
             <a:extLst>
               <a:ext uri="{FF2B5EF4-FFF2-40B4-BE49-F238E27FC236}">
-                <a16:creationId xmlns:a16="http://schemas.microsoft.com/office/drawing/2014/main" id="{534053A4-B7ED-42A2-86B8-FE62AE78F49C}"/>
+                <a16:creationId xmlns:a16="http://schemas.microsoft.com/office/drawing/2014/main" id="{0D35C505-6C78-4EB8-9705-EE25DE8A5AB4}"/>
               </a:ext>
             </a:extLst>
           </p:cNvPr>
@@ -4914,8 +4922,8 @@
         </p:blipFill>
         <p:spPr>
           <a:xfrm>
-            <a:off x="8881606" y="1980128"/>
-            <a:ext cx="3186899" cy="2138648"/>
+            <a:off x="8038769" y="1924239"/>
+            <a:ext cx="4063779" cy="4933761"/>
           </a:xfrm>
           <a:prstGeom prst="rect">
             <a:avLst/>
@@ -4924,10 +4932,10 @@
       </p:pic>
       <p:pic>
         <p:nvPicPr>
-          <p:cNvPr id="7" name="Picture 6">
+          <p:cNvPr id="9" name="Picture 8">
             <a:extLst>
               <a:ext uri="{FF2B5EF4-FFF2-40B4-BE49-F238E27FC236}">
-                <a16:creationId xmlns:a16="http://schemas.microsoft.com/office/drawing/2014/main" id="{86A9EF49-0C86-4C41-88F2-78048B7233F7}"/>
+                <a16:creationId xmlns:a16="http://schemas.microsoft.com/office/drawing/2014/main" id="{C9A794F9-C124-4DA1-99BD-0AC35B1774F2}"/>
               </a:ext>
             </a:extLst>
           </p:cNvPr>
@@ -4950,8 +4958,44 @@
         </p:blipFill>
         <p:spPr>
           <a:xfrm>
-            <a:off x="8881605" y="4313029"/>
-            <a:ext cx="3186899" cy="2138647"/>
+            <a:off x="5482673" y="1924238"/>
+            <a:ext cx="2419350" cy="2365513"/>
+          </a:xfrm>
+          <a:prstGeom prst="rect">
+            <a:avLst/>
+          </a:prstGeom>
+        </p:spPr>
+      </p:pic>
+      <p:pic>
+        <p:nvPicPr>
+          <p:cNvPr id="11" name="Picture 10">
+            <a:extLst>
+              <a:ext uri="{FF2B5EF4-FFF2-40B4-BE49-F238E27FC236}">
+                <a16:creationId xmlns:a16="http://schemas.microsoft.com/office/drawing/2014/main" id="{303CF161-6002-4B3F-93EA-25FDB63CC2A8}"/>
+              </a:ext>
+            </a:extLst>
+          </p:cNvPr>
+          <p:cNvPicPr>
+            <a:picLocks noChangeAspect="1"/>
+          </p:cNvPicPr>
+          <p:nvPr/>
+        </p:nvPicPr>
+        <p:blipFill>
+          <a:blip r:embed="rId4">
+            <a:extLst>
+              <a:ext uri="{28A0092B-C50C-407E-A947-70E740481C1C}">
+                <a14:useLocalDpi xmlns:a14="http://schemas.microsoft.com/office/drawing/2010/main" val="0"/>
+              </a:ext>
+            </a:extLst>
+          </a:blip>
+          <a:stretch>
+            <a:fillRect/>
+          </a:stretch>
+        </p:blipFill>
+        <p:spPr>
+          <a:xfrm>
+            <a:off x="5543633" y="4492487"/>
+            <a:ext cx="2419350" cy="2365513"/>
           </a:xfrm>
           <a:prstGeom prst="rect">
             <a:avLst/>
@@ -5044,9 +5088,16 @@
             <p:ph idx="1"/>
           </p:nvPr>
         </p:nvSpPr>
-        <p:spPr/>
-        <p:txBody>
-          <a:bodyPr/>
+        <p:spPr>
+          <a:xfrm>
+            <a:off x="492981" y="2190749"/>
+            <a:ext cx="11354461" cy="3986213"/>
+          </a:xfrm>
+        </p:spPr>
+        <p:txBody>
+          <a:bodyPr>
+            <a:normAutofit/>
+          </a:bodyPr>
           <a:lstStyle/>
           <a:p>
             <a:pPr marL="0" indent="0">
@@ -5054,8 +5105,39 @@
             </a:pPr>
             <a:r>
               <a:rPr lang="en-IN" dirty="0"/>
-              <a:t>In this exemplar deep learning model we predicted two significant parameters for antenna designing. This could also be done on a much larger and a more professional scale which would result in the significant efficiency boost in designing process.</a:t>
-            </a:r>
+              <a:t>In this exemplar deep learning model we predicted two significant parameters for antenna designing. This could also be done on a much larger and a more professional scale which would result in the significant efficiency boost in designing process. </a:t>
+            </a:r>
+          </a:p>
+          <a:p>
+            <a:pPr marL="0" indent="0">
+              <a:buNone/>
+            </a:pPr>
+            <a:r>
+              <a:rPr lang="en-IN" dirty="0"/>
+              <a:t>Generally data is much more thoroughly pre-processed and also is much more in amount, which in return result in better results.</a:t>
+            </a:r>
+          </a:p>
+          <a:p>
+            <a:pPr marL="0" indent="0">
+              <a:buNone/>
+            </a:pPr>
+            <a:endParaRPr lang="en-IN" dirty="0"/>
+          </a:p>
+          <a:p>
+            <a:pPr marL="0" indent="0">
+              <a:buNone/>
+            </a:pPr>
+            <a:r>
+              <a:rPr lang="en-IN" b="1" dirty="0"/>
+              <a:t>Model Code File Link: </a:t>
+            </a:r>
+            <a:r>
+              <a:rPr lang="en-IN" dirty="0">
+                <a:hlinkClick r:id="rId2"/>
+              </a:rPr>
+              <a:t>https://github.com/thatdanish/IEEE-AP-MTT-Report-Project/blob/master/antenna_design.ipynb</a:t>
+            </a:r>
+            <a:endParaRPr lang="en-IN" dirty="0"/>
           </a:p>
         </p:txBody>
       </p:sp>
